--- a/docs/stroop/images/images_en.pptx
+++ b/docs/stroop/images/images_en.pptx
@@ -26,6 +26,8 @@
     <p:sldId id="274" r:id="rId20"/>
     <p:sldId id="275" r:id="rId21"/>
     <p:sldId id="276" r:id="rId22"/>
+    <p:sldId id="277" r:id="rId23"/>
+    <p:sldId id="278" r:id="rId24"/>
   </p:sldIdLst>
   <p:sldSz cx="12192000" cy="6858000"/>
   <p:notesSz cx="6858000" cy="9144000"/>
@@ -1656,6 +1658,138 @@
     <p:extLst>
       <p:ext uri="{BB962C8B-B14F-4D97-AF65-F5344CB8AC3E}">
         <p14:creationId xmlns:p14="http://schemas.microsoft.com/office/powerpoint/2010/main" val="638984543"/>
+      </p:ext>
+    </p:extLst>
+  </p:cSld>
+  <p:clrMapOvr>
+    <a:masterClrMapping/>
+  </p:clrMapOvr>
+</p:sld>
+</file>
+
+<file path=ppt/slides/slide22.xml><?xml version="1.0" encoding="utf-8"?>
+<p:sld xmlns:a="http://schemas.openxmlformats.org/drawingml/2006/main" xmlns:r="http://schemas.openxmlformats.org/officeDocument/2006/relationships" xmlns:p="http://schemas.openxmlformats.org/presentationml/2006/main">
+  <p:cSld>
+    <p:spTree>
+      <p:nvGrpSpPr>
+        <p:cNvPr id="1" name=""/>
+        <p:cNvGrpSpPr/>
+        <p:nvPr/>
+      </p:nvGrpSpPr>
+      <p:grpSpPr>
+        <a:xfrm>
+          <a:off x="0" y="0"/>
+          <a:ext cx="0" cy="0"/>
+          <a:chOff x="0" y="0"/>
+          <a:chExt cx="0" cy="0"/>
+        </a:xfrm>
+      </p:grpSpPr>
+      <p:sp>
+        <p:nvSpPr>
+          <p:cNvPr id="3" name="TextBox 2">
+            <a:extLst>
+              <a:ext uri="{FF2B5EF4-FFF2-40B4-BE49-F238E27FC236}">
+                <a16:creationId xmlns:a16="http://schemas.microsoft.com/office/drawing/2014/main" id="{84252593-E5E9-9E03-4345-BC6F4D9FE5A5}"/>
+              </a:ext>
+            </a:extLst>
+          </p:cNvPr>
+          <p:cNvSpPr txBox="1"/>
+          <p:nvPr/>
+        </p:nvSpPr>
+        <p:spPr>
+          <a:xfrm>
+            <a:off x="5072771" y="3244334"/>
+            <a:ext cx="2046458" cy="369332"/>
+          </a:xfrm>
+          <a:prstGeom prst="rect">
+            <a:avLst/>
+          </a:prstGeom>
+          <a:noFill/>
+        </p:spPr>
+        <p:txBody>
+          <a:bodyPr wrap="none" rtlCol="0">
+            <a:spAutoFit/>
+          </a:bodyPr>
+          <a:lstStyle/>
+          <a:p>
+            <a:r>
+              <a:rPr lang="en-GB" dirty="0"/>
+              <a:t>Neutral Instructions</a:t>
+            </a:r>
+            <a:endParaRPr lang="en-DK" dirty="0"/>
+          </a:p>
+        </p:txBody>
+      </p:sp>
+    </p:spTree>
+    <p:extLst>
+      <p:ext uri="{BB962C8B-B14F-4D97-AF65-F5344CB8AC3E}">
+        <p14:creationId xmlns:p14="http://schemas.microsoft.com/office/powerpoint/2010/main" val="3886354962"/>
+      </p:ext>
+    </p:extLst>
+  </p:cSld>
+  <p:clrMapOvr>
+    <a:masterClrMapping/>
+  </p:clrMapOvr>
+</p:sld>
+</file>
+
+<file path=ppt/slides/slide23.xml><?xml version="1.0" encoding="utf-8"?>
+<p:sld xmlns:a="http://schemas.openxmlformats.org/drawingml/2006/main" xmlns:r="http://schemas.openxmlformats.org/officeDocument/2006/relationships" xmlns:p="http://schemas.openxmlformats.org/presentationml/2006/main">
+  <p:cSld>
+    <p:spTree>
+      <p:nvGrpSpPr>
+        <p:cNvPr id="1" name=""/>
+        <p:cNvGrpSpPr/>
+        <p:nvPr/>
+      </p:nvGrpSpPr>
+      <p:grpSpPr>
+        <a:xfrm>
+          <a:off x="0" y="0"/>
+          <a:ext cx="0" cy="0"/>
+          <a:chOff x="0" y="0"/>
+          <a:chExt cx="0" cy="0"/>
+        </a:xfrm>
+      </p:grpSpPr>
+      <p:sp>
+        <p:nvSpPr>
+          <p:cNvPr id="3" name="TextBox 2">
+            <a:extLst>
+              <a:ext uri="{FF2B5EF4-FFF2-40B4-BE49-F238E27FC236}">
+                <a16:creationId xmlns:a16="http://schemas.microsoft.com/office/drawing/2014/main" id="{84252593-E5E9-9E03-4345-BC6F4D9FE5A5}"/>
+              </a:ext>
+            </a:extLst>
+          </p:cNvPr>
+          <p:cNvSpPr txBox="1"/>
+          <p:nvPr/>
+        </p:nvSpPr>
+        <p:spPr>
+          <a:xfrm>
+            <a:off x="5450310" y="3244334"/>
+            <a:ext cx="1291379" cy="369332"/>
+          </a:xfrm>
+          <a:prstGeom prst="rect">
+            <a:avLst/>
+          </a:prstGeom>
+          <a:noFill/>
+        </p:spPr>
+        <p:txBody>
+          <a:bodyPr wrap="none" rtlCol="0">
+            <a:spAutoFit/>
+          </a:bodyPr>
+          <a:lstStyle/>
+          <a:p>
+            <a:r>
+              <a:rPr lang="en-GB" dirty="0"/>
+              <a:t>Instructions</a:t>
+            </a:r>
+            <a:endParaRPr lang="en-DK" dirty="0"/>
+          </a:p>
+        </p:txBody>
+      </p:sp>
+    </p:spTree>
+    <p:extLst>
+      <p:ext uri="{BB962C8B-B14F-4D97-AF65-F5344CB8AC3E}">
+        <p14:creationId xmlns:p14="http://schemas.microsoft.com/office/powerpoint/2010/main" val="1230183320"/>
       </p:ext>
     </p:extLst>
   </p:cSld>

--- a/docs/stroop/images/images_en.pptx
+++ b/docs/stroop/images/images_en.pptx
@@ -1686,10 +1686,251 @@
       </p:grpSpPr>
       <p:sp>
         <p:nvSpPr>
-          <p:cNvPr id="3" name="TextBox 2">
+          <p:cNvPr id="2" name="Oval 1">
             <a:extLst>
               <a:ext uri="{FF2B5EF4-FFF2-40B4-BE49-F238E27FC236}">
-                <a16:creationId xmlns:a16="http://schemas.microsoft.com/office/drawing/2014/main" id="{84252593-E5E9-9E03-4345-BC6F4D9FE5A5}"/>
+                <a16:creationId xmlns:a16="http://schemas.microsoft.com/office/drawing/2014/main" id="{65B12D9A-2B14-6F78-E725-7B5811F462BC}"/>
+              </a:ext>
+            </a:extLst>
+          </p:cNvPr>
+          <p:cNvSpPr/>
+          <p:nvPr/>
+        </p:nvSpPr>
+        <p:spPr>
+          <a:xfrm>
+            <a:off x="5779702" y="1896493"/>
+            <a:ext cx="895547" cy="857839"/>
+          </a:xfrm>
+          <a:prstGeom prst="ellipse">
+            <a:avLst/>
+          </a:prstGeom>
+          <a:solidFill>
+            <a:srgbClr val="FF0000"/>
+          </a:solidFill>
+        </p:spPr>
+        <p:style>
+          <a:lnRef idx="2">
+            <a:schemeClr val="accent1">
+              <a:shade val="15000"/>
+            </a:schemeClr>
+          </a:lnRef>
+          <a:fillRef idx="1">
+            <a:schemeClr val="accent1"/>
+          </a:fillRef>
+          <a:effectRef idx="0">
+            <a:schemeClr val="accent1"/>
+          </a:effectRef>
+          <a:fontRef idx="minor">
+            <a:schemeClr val="lt1"/>
+          </a:fontRef>
+        </p:style>
+        <p:txBody>
+          <a:bodyPr rtlCol="0" anchor="ctr"/>
+          <a:lstStyle/>
+          <a:p>
+            <a:pPr algn="ctr"/>
+            <a:r>
+              <a:rPr lang="en-GB" sz="3200" dirty="0">
+                <a:solidFill>
+                  <a:schemeClr val="tx1"/>
+                </a:solidFill>
+              </a:rPr>
+              <a:t>1</a:t>
+            </a:r>
+            <a:endParaRPr lang="en-DK" dirty="0">
+              <a:solidFill>
+                <a:schemeClr val="tx1"/>
+              </a:solidFill>
+            </a:endParaRPr>
+          </a:p>
+        </p:txBody>
+      </p:sp>
+      <p:sp>
+        <p:nvSpPr>
+          <p:cNvPr id="4" name="Oval 3">
+            <a:extLst>
+              <a:ext uri="{FF2B5EF4-FFF2-40B4-BE49-F238E27FC236}">
+                <a16:creationId xmlns:a16="http://schemas.microsoft.com/office/drawing/2014/main" id="{68D72EAD-5A81-DEF9-CF33-3BB873E34A8E}"/>
+              </a:ext>
+            </a:extLst>
+          </p:cNvPr>
+          <p:cNvSpPr/>
+          <p:nvPr/>
+        </p:nvSpPr>
+        <p:spPr>
+          <a:xfrm>
+            <a:off x="6675249" y="3000079"/>
+            <a:ext cx="895547" cy="857839"/>
+          </a:xfrm>
+          <a:prstGeom prst="ellipse">
+            <a:avLst/>
+          </a:prstGeom>
+          <a:solidFill>
+            <a:srgbClr val="00B050"/>
+          </a:solidFill>
+        </p:spPr>
+        <p:style>
+          <a:lnRef idx="2">
+            <a:schemeClr val="accent1">
+              <a:shade val="15000"/>
+            </a:schemeClr>
+          </a:lnRef>
+          <a:fillRef idx="1">
+            <a:schemeClr val="accent1"/>
+          </a:fillRef>
+          <a:effectRef idx="0">
+            <a:schemeClr val="accent1"/>
+          </a:effectRef>
+          <a:fontRef idx="minor">
+            <a:schemeClr val="lt1"/>
+          </a:fontRef>
+        </p:style>
+        <p:txBody>
+          <a:bodyPr rtlCol="0" anchor="ctr"/>
+          <a:lstStyle/>
+          <a:p>
+            <a:pPr algn="ctr"/>
+            <a:r>
+              <a:rPr lang="en-GB" sz="3200" dirty="0">
+                <a:solidFill>
+                  <a:schemeClr val="tx1"/>
+                </a:solidFill>
+              </a:rPr>
+              <a:t>2</a:t>
+            </a:r>
+            <a:endParaRPr lang="en-DK" dirty="0">
+              <a:solidFill>
+                <a:schemeClr val="tx1"/>
+              </a:solidFill>
+            </a:endParaRPr>
+          </a:p>
+        </p:txBody>
+      </p:sp>
+      <p:sp>
+        <p:nvSpPr>
+          <p:cNvPr id="5" name="Oval 4">
+            <a:extLst>
+              <a:ext uri="{FF2B5EF4-FFF2-40B4-BE49-F238E27FC236}">
+                <a16:creationId xmlns:a16="http://schemas.microsoft.com/office/drawing/2014/main" id="{09666C76-F85D-0F4A-7CDF-E1061BD1A91E}"/>
+              </a:ext>
+            </a:extLst>
+          </p:cNvPr>
+          <p:cNvSpPr/>
+          <p:nvPr/>
+        </p:nvSpPr>
+        <p:spPr>
+          <a:xfrm>
+            <a:off x="5779702" y="4034669"/>
+            <a:ext cx="895547" cy="857839"/>
+          </a:xfrm>
+          <a:prstGeom prst="ellipse">
+            <a:avLst/>
+          </a:prstGeom>
+        </p:spPr>
+        <p:style>
+          <a:lnRef idx="2">
+            <a:schemeClr val="accent1">
+              <a:shade val="15000"/>
+            </a:schemeClr>
+          </a:lnRef>
+          <a:fillRef idx="1">
+            <a:schemeClr val="accent1"/>
+          </a:fillRef>
+          <a:effectRef idx="0">
+            <a:schemeClr val="accent1"/>
+          </a:effectRef>
+          <a:fontRef idx="minor">
+            <a:schemeClr val="lt1"/>
+          </a:fontRef>
+        </p:style>
+        <p:txBody>
+          <a:bodyPr rtlCol="0" anchor="ctr"/>
+          <a:lstStyle/>
+          <a:p>
+            <a:pPr algn="ctr"/>
+            <a:r>
+              <a:rPr lang="en-GB" sz="3200" dirty="0">
+                <a:solidFill>
+                  <a:schemeClr val="tx1"/>
+                </a:solidFill>
+              </a:rPr>
+              <a:t>3</a:t>
+            </a:r>
+            <a:endParaRPr lang="en-DK" dirty="0">
+              <a:solidFill>
+                <a:schemeClr val="tx1"/>
+              </a:solidFill>
+            </a:endParaRPr>
+          </a:p>
+        </p:txBody>
+      </p:sp>
+      <p:sp>
+        <p:nvSpPr>
+          <p:cNvPr id="6" name="Oval 5">
+            <a:extLst>
+              <a:ext uri="{FF2B5EF4-FFF2-40B4-BE49-F238E27FC236}">
+                <a16:creationId xmlns:a16="http://schemas.microsoft.com/office/drawing/2014/main" id="{5BB06849-C76D-0FB7-09DC-B8687A73F972}"/>
+              </a:ext>
+            </a:extLst>
+          </p:cNvPr>
+          <p:cNvSpPr/>
+          <p:nvPr/>
+        </p:nvSpPr>
+        <p:spPr>
+          <a:xfrm>
+            <a:off x="4825185" y="3000079"/>
+            <a:ext cx="895547" cy="857839"/>
+          </a:xfrm>
+          <a:prstGeom prst="ellipse">
+            <a:avLst/>
+          </a:prstGeom>
+          <a:solidFill>
+            <a:srgbClr val="FFFF00"/>
+          </a:solidFill>
+        </p:spPr>
+        <p:style>
+          <a:lnRef idx="2">
+            <a:schemeClr val="accent1">
+              <a:shade val="15000"/>
+            </a:schemeClr>
+          </a:lnRef>
+          <a:fillRef idx="1">
+            <a:schemeClr val="accent1"/>
+          </a:fillRef>
+          <a:effectRef idx="0">
+            <a:schemeClr val="accent1"/>
+          </a:effectRef>
+          <a:fontRef idx="minor">
+            <a:schemeClr val="lt1"/>
+          </a:fontRef>
+        </p:style>
+        <p:txBody>
+          <a:bodyPr rtlCol="0" anchor="ctr"/>
+          <a:lstStyle/>
+          <a:p>
+            <a:pPr algn="ctr"/>
+            <a:r>
+              <a:rPr lang="en-GB" sz="3200" dirty="0">
+                <a:solidFill>
+                  <a:schemeClr val="bg1"/>
+                </a:solidFill>
+              </a:rPr>
+              <a:t>4</a:t>
+            </a:r>
+            <a:endParaRPr lang="en-DK" dirty="0">
+              <a:solidFill>
+                <a:schemeClr val="bg1"/>
+              </a:solidFill>
+            </a:endParaRPr>
+          </a:p>
+        </p:txBody>
+      </p:sp>
+      <p:sp>
+        <p:nvSpPr>
+          <p:cNvPr id="7" name="TextBox 6">
+            <a:extLst>
+              <a:ext uri="{FF2B5EF4-FFF2-40B4-BE49-F238E27FC236}">
+                <a16:creationId xmlns:a16="http://schemas.microsoft.com/office/drawing/2014/main" id="{72272CE1-E739-FDA7-3DE8-0908A2ED6630}"/>
               </a:ext>
             </a:extLst>
           </p:cNvPr>
@@ -1698,8 +1939,8 @@
         </p:nvSpPr>
         <p:spPr>
           <a:xfrm>
-            <a:off x="5072771" y="3244334"/>
-            <a:ext cx="2046458" cy="369332"/>
+            <a:off x="1660338" y="563427"/>
+            <a:ext cx="9322189" cy="830997"/>
           </a:xfrm>
           <a:prstGeom prst="rect">
             <a:avLst/>
@@ -1707,16 +1948,21 @@
           <a:noFill/>
         </p:spPr>
         <p:txBody>
-          <a:bodyPr wrap="none" rtlCol="0">
+          <a:bodyPr wrap="square" rtlCol="0">
             <a:spAutoFit/>
           </a:bodyPr>
           <a:lstStyle/>
           <a:p>
+            <a:pPr algn="ctr"/>
             <a:r>
-              <a:rPr lang="en-GB" dirty="0"/>
-              <a:t>Neutral Instructions</a:t>
+              <a:rPr lang="en-GB" sz="2400" dirty="0"/>
+              <a:t>You will see a series of squares in red, green, blue or yellow. Press the button that correspond to the colour of </a:t>
             </a:r>
-            <a:endParaRPr lang="en-DK" dirty="0"/>
+            <a:r>
+              <a:rPr lang="en-GB" sz="2400"/>
+              <a:t>the square.</a:t>
+            </a:r>
+            <a:endParaRPr lang="en-DK" sz="2400" dirty="0"/>
           </a:p>
         </p:txBody>
       </p:sp>
@@ -1752,10 +1998,251 @@
       </p:grpSpPr>
       <p:sp>
         <p:nvSpPr>
-          <p:cNvPr id="3" name="TextBox 2">
+          <p:cNvPr id="2" name="Oval 1">
             <a:extLst>
               <a:ext uri="{FF2B5EF4-FFF2-40B4-BE49-F238E27FC236}">
-                <a16:creationId xmlns:a16="http://schemas.microsoft.com/office/drawing/2014/main" id="{84252593-E5E9-9E03-4345-BC6F4D9FE5A5}"/>
+                <a16:creationId xmlns:a16="http://schemas.microsoft.com/office/drawing/2014/main" id="{E87087E9-95D1-53CE-53FE-801DDC43CAA2}"/>
+              </a:ext>
+            </a:extLst>
+          </p:cNvPr>
+          <p:cNvSpPr/>
+          <p:nvPr/>
+        </p:nvSpPr>
+        <p:spPr>
+          <a:xfrm>
+            <a:off x="5779702" y="1896493"/>
+            <a:ext cx="895547" cy="857839"/>
+          </a:xfrm>
+          <a:prstGeom prst="ellipse">
+            <a:avLst/>
+          </a:prstGeom>
+          <a:solidFill>
+            <a:srgbClr val="FF0000"/>
+          </a:solidFill>
+        </p:spPr>
+        <p:style>
+          <a:lnRef idx="2">
+            <a:schemeClr val="accent1">
+              <a:shade val="15000"/>
+            </a:schemeClr>
+          </a:lnRef>
+          <a:fillRef idx="1">
+            <a:schemeClr val="accent1"/>
+          </a:fillRef>
+          <a:effectRef idx="0">
+            <a:schemeClr val="accent1"/>
+          </a:effectRef>
+          <a:fontRef idx="minor">
+            <a:schemeClr val="lt1"/>
+          </a:fontRef>
+        </p:style>
+        <p:txBody>
+          <a:bodyPr rtlCol="0" anchor="ctr"/>
+          <a:lstStyle/>
+          <a:p>
+            <a:pPr algn="ctr"/>
+            <a:r>
+              <a:rPr lang="en-GB" sz="3200" dirty="0">
+                <a:solidFill>
+                  <a:schemeClr val="tx1"/>
+                </a:solidFill>
+              </a:rPr>
+              <a:t>1</a:t>
+            </a:r>
+            <a:endParaRPr lang="en-DK" dirty="0">
+              <a:solidFill>
+                <a:schemeClr val="tx1"/>
+              </a:solidFill>
+            </a:endParaRPr>
+          </a:p>
+        </p:txBody>
+      </p:sp>
+      <p:sp>
+        <p:nvSpPr>
+          <p:cNvPr id="4" name="Oval 3">
+            <a:extLst>
+              <a:ext uri="{FF2B5EF4-FFF2-40B4-BE49-F238E27FC236}">
+                <a16:creationId xmlns:a16="http://schemas.microsoft.com/office/drawing/2014/main" id="{A00EC38F-E364-C5E7-FA5B-EB8663299DB1}"/>
+              </a:ext>
+            </a:extLst>
+          </p:cNvPr>
+          <p:cNvSpPr/>
+          <p:nvPr/>
+        </p:nvSpPr>
+        <p:spPr>
+          <a:xfrm>
+            <a:off x="6675249" y="3000079"/>
+            <a:ext cx="895547" cy="857839"/>
+          </a:xfrm>
+          <a:prstGeom prst="ellipse">
+            <a:avLst/>
+          </a:prstGeom>
+          <a:solidFill>
+            <a:srgbClr val="00B050"/>
+          </a:solidFill>
+        </p:spPr>
+        <p:style>
+          <a:lnRef idx="2">
+            <a:schemeClr val="accent1">
+              <a:shade val="15000"/>
+            </a:schemeClr>
+          </a:lnRef>
+          <a:fillRef idx="1">
+            <a:schemeClr val="accent1"/>
+          </a:fillRef>
+          <a:effectRef idx="0">
+            <a:schemeClr val="accent1"/>
+          </a:effectRef>
+          <a:fontRef idx="minor">
+            <a:schemeClr val="lt1"/>
+          </a:fontRef>
+        </p:style>
+        <p:txBody>
+          <a:bodyPr rtlCol="0" anchor="ctr"/>
+          <a:lstStyle/>
+          <a:p>
+            <a:pPr algn="ctr"/>
+            <a:r>
+              <a:rPr lang="en-GB" sz="3200" dirty="0">
+                <a:solidFill>
+                  <a:schemeClr val="tx1"/>
+                </a:solidFill>
+              </a:rPr>
+              <a:t>2</a:t>
+            </a:r>
+            <a:endParaRPr lang="en-DK" dirty="0">
+              <a:solidFill>
+                <a:schemeClr val="tx1"/>
+              </a:solidFill>
+            </a:endParaRPr>
+          </a:p>
+        </p:txBody>
+      </p:sp>
+      <p:sp>
+        <p:nvSpPr>
+          <p:cNvPr id="5" name="Oval 4">
+            <a:extLst>
+              <a:ext uri="{FF2B5EF4-FFF2-40B4-BE49-F238E27FC236}">
+                <a16:creationId xmlns:a16="http://schemas.microsoft.com/office/drawing/2014/main" id="{E8F6DB9D-FCC1-0F5F-01AB-D4C550C21B06}"/>
+              </a:ext>
+            </a:extLst>
+          </p:cNvPr>
+          <p:cNvSpPr/>
+          <p:nvPr/>
+        </p:nvSpPr>
+        <p:spPr>
+          <a:xfrm>
+            <a:off x="5779702" y="4034669"/>
+            <a:ext cx="895547" cy="857839"/>
+          </a:xfrm>
+          <a:prstGeom prst="ellipse">
+            <a:avLst/>
+          </a:prstGeom>
+        </p:spPr>
+        <p:style>
+          <a:lnRef idx="2">
+            <a:schemeClr val="accent1">
+              <a:shade val="15000"/>
+            </a:schemeClr>
+          </a:lnRef>
+          <a:fillRef idx="1">
+            <a:schemeClr val="accent1"/>
+          </a:fillRef>
+          <a:effectRef idx="0">
+            <a:schemeClr val="accent1"/>
+          </a:effectRef>
+          <a:fontRef idx="minor">
+            <a:schemeClr val="lt1"/>
+          </a:fontRef>
+        </p:style>
+        <p:txBody>
+          <a:bodyPr rtlCol="0" anchor="ctr"/>
+          <a:lstStyle/>
+          <a:p>
+            <a:pPr algn="ctr"/>
+            <a:r>
+              <a:rPr lang="en-GB" sz="3200" dirty="0">
+                <a:solidFill>
+                  <a:schemeClr val="tx1"/>
+                </a:solidFill>
+              </a:rPr>
+              <a:t>3</a:t>
+            </a:r>
+            <a:endParaRPr lang="en-DK" dirty="0">
+              <a:solidFill>
+                <a:schemeClr val="tx1"/>
+              </a:solidFill>
+            </a:endParaRPr>
+          </a:p>
+        </p:txBody>
+      </p:sp>
+      <p:sp>
+        <p:nvSpPr>
+          <p:cNvPr id="6" name="Oval 5">
+            <a:extLst>
+              <a:ext uri="{FF2B5EF4-FFF2-40B4-BE49-F238E27FC236}">
+                <a16:creationId xmlns:a16="http://schemas.microsoft.com/office/drawing/2014/main" id="{FF100A51-4AF0-B7D0-C0AF-E07CAE4EB299}"/>
+              </a:ext>
+            </a:extLst>
+          </p:cNvPr>
+          <p:cNvSpPr/>
+          <p:nvPr/>
+        </p:nvSpPr>
+        <p:spPr>
+          <a:xfrm>
+            <a:off x="4825185" y="3000079"/>
+            <a:ext cx="895547" cy="857839"/>
+          </a:xfrm>
+          <a:prstGeom prst="ellipse">
+            <a:avLst/>
+          </a:prstGeom>
+          <a:solidFill>
+            <a:srgbClr val="FFFF00"/>
+          </a:solidFill>
+        </p:spPr>
+        <p:style>
+          <a:lnRef idx="2">
+            <a:schemeClr val="accent1">
+              <a:shade val="15000"/>
+            </a:schemeClr>
+          </a:lnRef>
+          <a:fillRef idx="1">
+            <a:schemeClr val="accent1"/>
+          </a:fillRef>
+          <a:effectRef idx="0">
+            <a:schemeClr val="accent1"/>
+          </a:effectRef>
+          <a:fontRef idx="minor">
+            <a:schemeClr val="lt1"/>
+          </a:fontRef>
+        </p:style>
+        <p:txBody>
+          <a:bodyPr rtlCol="0" anchor="ctr"/>
+          <a:lstStyle/>
+          <a:p>
+            <a:pPr algn="ctr"/>
+            <a:r>
+              <a:rPr lang="en-GB" sz="3200" dirty="0">
+                <a:solidFill>
+                  <a:schemeClr val="bg1"/>
+                </a:solidFill>
+              </a:rPr>
+              <a:t>4</a:t>
+            </a:r>
+            <a:endParaRPr lang="en-DK" dirty="0">
+              <a:solidFill>
+                <a:schemeClr val="bg1"/>
+              </a:solidFill>
+            </a:endParaRPr>
+          </a:p>
+        </p:txBody>
+      </p:sp>
+      <p:sp>
+        <p:nvSpPr>
+          <p:cNvPr id="7" name="TextBox 6">
+            <a:extLst>
+              <a:ext uri="{FF2B5EF4-FFF2-40B4-BE49-F238E27FC236}">
+                <a16:creationId xmlns:a16="http://schemas.microsoft.com/office/drawing/2014/main" id="{43FA02F9-54AC-F959-064C-4FE7E6465C0A}"/>
               </a:ext>
             </a:extLst>
           </p:cNvPr>
@@ -1764,8 +2251,8 @@
         </p:nvSpPr>
         <p:spPr>
           <a:xfrm>
-            <a:off x="5450310" y="3244334"/>
-            <a:ext cx="1291379" cy="369332"/>
+            <a:off x="1660339" y="563427"/>
+            <a:ext cx="9134272" cy="830997"/>
           </a:xfrm>
           <a:prstGeom prst="rect">
             <a:avLst/>
@@ -1773,16 +2260,17 @@
           <a:noFill/>
         </p:spPr>
         <p:txBody>
-          <a:bodyPr wrap="none" rtlCol="0">
+          <a:bodyPr wrap="square" rtlCol="0">
             <a:spAutoFit/>
           </a:bodyPr>
           <a:lstStyle/>
           <a:p>
+            <a:pPr algn="ctr"/>
             <a:r>
-              <a:rPr lang="en-GB" dirty="0"/>
-              <a:t>Instructions</a:t>
+              <a:rPr lang="en-GB" sz="2400" dirty="0"/>
+              <a:t>You will see a series of words written in red, green, blue or yellow. Press the button that correspond to the colour the word is written in.</a:t>
             </a:r>
-            <a:endParaRPr lang="en-DK" dirty="0"/>
+            <a:endParaRPr lang="en-DK" sz="2400" dirty="0"/>
           </a:p>
         </p:txBody>
       </p:sp>

--- a/docs/stroop/images/images_en.pptx
+++ b/docs/stroop/images/images_en.pptx
@@ -1686,10 +1686,51 @@
       </p:grpSpPr>
       <p:sp>
         <p:nvSpPr>
-          <p:cNvPr id="2" name="Oval 1">
+          <p:cNvPr id="7" name="TextBox 6">
             <a:extLst>
               <a:ext uri="{FF2B5EF4-FFF2-40B4-BE49-F238E27FC236}">
-                <a16:creationId xmlns:a16="http://schemas.microsoft.com/office/drawing/2014/main" id="{65B12D9A-2B14-6F78-E725-7B5811F462BC}"/>
+                <a16:creationId xmlns:a16="http://schemas.microsoft.com/office/drawing/2014/main" id="{72272CE1-E739-FDA7-3DE8-0908A2ED6630}"/>
+              </a:ext>
+            </a:extLst>
+          </p:cNvPr>
+          <p:cNvSpPr txBox="1"/>
+          <p:nvPr/>
+        </p:nvSpPr>
+        <p:spPr>
+          <a:xfrm>
+            <a:off x="1660338" y="563427"/>
+            <a:ext cx="9322189" cy="830997"/>
+          </a:xfrm>
+          <a:prstGeom prst="rect">
+            <a:avLst/>
+          </a:prstGeom>
+          <a:noFill/>
+        </p:spPr>
+        <p:txBody>
+          <a:bodyPr wrap="square" rtlCol="0">
+            <a:spAutoFit/>
+          </a:bodyPr>
+          <a:lstStyle/>
+          <a:p>
+            <a:pPr algn="ctr"/>
+            <a:r>
+              <a:rPr lang="en-GB" sz="2400" dirty="0"/>
+              <a:t>You will see a series of squares in red, green, blue or yellow. Press the button that correspond to the colour of </a:t>
+            </a:r>
+            <a:r>
+              <a:rPr lang="en-GB" sz="2400"/>
+              <a:t>the square.</a:t>
+            </a:r>
+            <a:endParaRPr lang="en-DK" sz="2400" dirty="0"/>
+          </a:p>
+        </p:txBody>
+      </p:sp>
+      <p:sp>
+        <p:nvSpPr>
+          <p:cNvPr id="3" name="Oval 2">
+            <a:extLst>
+              <a:ext uri="{FF2B5EF4-FFF2-40B4-BE49-F238E27FC236}">
+                <a16:creationId xmlns:a16="http://schemas.microsoft.com/office/drawing/2014/main" id="{85609228-FA48-0048-4B3B-C470B4A2739B}"/>
               </a:ext>
             </a:extLst>
           </p:cNvPr>
@@ -1735,7 +1776,7 @@
                   <a:schemeClr val="tx1"/>
                 </a:solidFill>
               </a:rPr>
-              <a:t>1</a:t>
+              <a:t>3</a:t>
             </a:r>
             <a:endParaRPr lang="en-DK" dirty="0">
               <a:solidFill>
@@ -1747,10 +1788,10 @@
       </p:sp>
       <p:sp>
         <p:nvSpPr>
-          <p:cNvPr id="4" name="Oval 3">
+          <p:cNvPr id="8" name="Oval 7">
             <a:extLst>
               <a:ext uri="{FF2B5EF4-FFF2-40B4-BE49-F238E27FC236}">
-                <a16:creationId xmlns:a16="http://schemas.microsoft.com/office/drawing/2014/main" id="{68D72EAD-5A81-DEF9-CF33-3BB873E34A8E}"/>
+                <a16:creationId xmlns:a16="http://schemas.microsoft.com/office/drawing/2014/main" id="{1A077E92-C2DB-66B6-BE4F-3AE5ADF39781}"/>
               </a:ext>
             </a:extLst>
           </p:cNvPr>
@@ -1796,7 +1837,7 @@
                   <a:schemeClr val="tx1"/>
                 </a:solidFill>
               </a:rPr>
-              <a:t>2</a:t>
+              <a:t>4</a:t>
             </a:r>
             <a:endParaRPr lang="en-DK" dirty="0">
               <a:solidFill>
@@ -1808,10 +1849,10 @@
       </p:sp>
       <p:sp>
         <p:nvSpPr>
-          <p:cNvPr id="5" name="Oval 4">
+          <p:cNvPr id="9" name="Oval 8">
             <a:extLst>
               <a:ext uri="{FF2B5EF4-FFF2-40B4-BE49-F238E27FC236}">
-                <a16:creationId xmlns:a16="http://schemas.microsoft.com/office/drawing/2014/main" id="{09666C76-F85D-0F4A-7CDF-E1061BD1A91E}"/>
+                <a16:creationId xmlns:a16="http://schemas.microsoft.com/office/drawing/2014/main" id="{C3EE3612-A434-5D49-786C-189B8865D17B}"/>
               </a:ext>
             </a:extLst>
           </p:cNvPr>
@@ -1854,7 +1895,7 @@
                   <a:schemeClr val="tx1"/>
                 </a:solidFill>
               </a:rPr>
-              <a:t>3</a:t>
+              <a:t>1</a:t>
             </a:r>
             <a:endParaRPr lang="en-DK" dirty="0">
               <a:solidFill>
@@ -1866,10 +1907,10 @@
       </p:sp>
       <p:sp>
         <p:nvSpPr>
-          <p:cNvPr id="6" name="Oval 5">
+          <p:cNvPr id="10" name="Oval 9">
             <a:extLst>
               <a:ext uri="{FF2B5EF4-FFF2-40B4-BE49-F238E27FC236}">
-                <a16:creationId xmlns:a16="http://schemas.microsoft.com/office/drawing/2014/main" id="{5BB06849-C76D-0FB7-09DC-B8687A73F972}"/>
+                <a16:creationId xmlns:a16="http://schemas.microsoft.com/office/drawing/2014/main" id="{92EB3F72-8DEE-AB6D-1209-934BDB9E9B00}"/>
               </a:ext>
             </a:extLst>
           </p:cNvPr>
@@ -1915,54 +1956,13 @@
                   <a:schemeClr val="bg1"/>
                 </a:solidFill>
               </a:rPr>
-              <a:t>4</a:t>
+              <a:t>2</a:t>
             </a:r>
             <a:endParaRPr lang="en-DK" dirty="0">
               <a:solidFill>
                 <a:schemeClr val="bg1"/>
               </a:solidFill>
             </a:endParaRPr>
-          </a:p>
-        </p:txBody>
-      </p:sp>
-      <p:sp>
-        <p:nvSpPr>
-          <p:cNvPr id="7" name="TextBox 6">
-            <a:extLst>
-              <a:ext uri="{FF2B5EF4-FFF2-40B4-BE49-F238E27FC236}">
-                <a16:creationId xmlns:a16="http://schemas.microsoft.com/office/drawing/2014/main" id="{72272CE1-E739-FDA7-3DE8-0908A2ED6630}"/>
-              </a:ext>
-            </a:extLst>
-          </p:cNvPr>
-          <p:cNvSpPr txBox="1"/>
-          <p:nvPr/>
-        </p:nvSpPr>
-        <p:spPr>
-          <a:xfrm>
-            <a:off x="1660338" y="563427"/>
-            <a:ext cx="9322189" cy="830997"/>
-          </a:xfrm>
-          <a:prstGeom prst="rect">
-            <a:avLst/>
-          </a:prstGeom>
-          <a:noFill/>
-        </p:spPr>
-        <p:txBody>
-          <a:bodyPr wrap="square" rtlCol="0">
-            <a:spAutoFit/>
-          </a:bodyPr>
-          <a:lstStyle/>
-          <a:p>
-            <a:pPr algn="ctr"/>
-            <a:r>
-              <a:rPr lang="en-GB" sz="2400" dirty="0"/>
-              <a:t>You will see a series of squares in red, green, blue or yellow. Press the button that correspond to the colour of </a:t>
-            </a:r>
-            <a:r>
-              <a:rPr lang="en-GB" sz="2400"/>
-              <a:t>the square.</a:t>
-            </a:r>
-            <a:endParaRPr lang="en-DK" sz="2400" dirty="0"/>
           </a:p>
         </p:txBody>
       </p:sp>
